--- a/Handling_data/Presentations/07 - You-Get.pptx
+++ b/Handling_data/Presentations/07 - You-Get.pptx
@@ -4777,16 +4777,16 @@
               </a:spcAft>
             </a:pPr>
             <a:r>
-              <a:rPr lang="en-US" sz="2400" dirty="0">
+              <a:rPr lang="en-US" sz="2400">
                 <a:latin typeface="Consolas" panose="020B0609020204030204" pitchFamily="49" charset="0"/>
               </a:rPr>
-              <a:t>you-get</a:t>
-            </a:r>
-            <a:r>
-              <a:rPr lang="ru-RU" sz="2400" dirty="0">
+              <a:t>you-get </a:t>
+            </a:r>
+            <a:r>
+              <a:rPr lang="ru-RU" sz="2400">
                 <a:latin typeface="Consolas" panose="020B0609020204030204" pitchFamily="49" charset="0"/>
               </a:rPr>
-              <a:t> -</a:t>
+              <a:t>-</a:t>
             </a:r>
             <a:r>
               <a:rPr lang="en-US" sz="2400" dirty="0">

--- a/Handling_data/Presentations/07 - You-Get.pptx
+++ b/Handling_data/Presentations/07 - You-Get.pptx
@@ -4426,10 +4426,16 @@
               <a:t> --</a:t>
             </a:r>
             <a:r>
+              <a:rPr lang="en-US" sz="2400">
+                <a:latin typeface="Consolas" panose="020B0609020204030204" pitchFamily="49" charset="0"/>
+              </a:rPr>
+              <a:t>itag</a:t>
+            </a:r>
+            <a:r>
               <a:rPr lang="en-US" sz="2400" dirty="0">
                 <a:latin typeface="Consolas" panose="020B0609020204030204" pitchFamily="49" charset="0"/>
               </a:rPr>
-              <a:t>tag=278 https://youtu.be/YEpU27W2ZAw</a:t>
+              <a:t>=278 https://youtu.be/YEpU27W2ZAw</a:t>
             </a:r>
           </a:p>
           <a:p>
@@ -4777,13 +4783,13 @@
               </a:spcAft>
             </a:pPr>
             <a:r>
-              <a:rPr lang="en-US" sz="2400">
+              <a:rPr lang="en-US" sz="2400" dirty="0">
                 <a:latin typeface="Consolas" panose="020B0609020204030204" pitchFamily="49" charset="0"/>
               </a:rPr>
               <a:t>you-get </a:t>
             </a:r>
             <a:r>
-              <a:rPr lang="ru-RU" sz="2400">
+              <a:rPr lang="ru-RU" sz="2400" dirty="0">
                 <a:latin typeface="Consolas" panose="020B0609020204030204" pitchFamily="49" charset="0"/>
               </a:rPr>
               <a:t>-</a:t>
